--- a/GWAS_ Polygenic Risk Score_practice.pptx
+++ b/GWAS_ Polygenic Risk Score_practice.pptx
@@ -16,7 +16,6 @@
     <p:sldId id="261" r:id="rId11"/>
     <p:sldId id="262" r:id="rId12"/>
     <p:sldId id="263" r:id="rId13"/>
-    <p:sldId id="264" r:id="rId14"/>
   </p:sldIdLst>
   <p:sldSz cy="5143500" cx="9144000"/>
   <p:notesSz cx="6858000" cy="9144000"/>
@@ -1010,7 +1009,7 @@
       </p:grpSpPr>
       <p:sp>
         <p:nvSpPr>
-          <p:cNvPr id="71" name="Google Shape;71;g2746e3b856b_0_77:notes"/>
+          <p:cNvPr id="71" name="Google Shape;71;g2746e3b856b_0_72:notes"/>
           <p:cNvSpPr/>
           <p:nvPr>
             <p:ph idx="2" type="sldImg"/>
@@ -1045,7 +1044,7 @@
       </p:sp>
       <p:sp>
         <p:nvSpPr>
-          <p:cNvPr id="72" name="Google Shape;72;g2746e3b856b_0_77:notes"/>
+          <p:cNvPr id="72" name="Google Shape;72;g2746e3b856b_0_72:notes"/>
           <p:cNvSpPr txBox="1"/>
           <p:nvPr>
             <p:ph idx="1" type="body"/>
@@ -1095,7 +1094,7 @@
   <p:cSld>
     <p:spTree>
       <p:nvGrpSpPr>
-        <p:cNvPr id="78" name="Shape 78"/>
+        <p:cNvPr id="77" name="Shape 77"/>
         <p:cNvGrpSpPr/>
         <p:nvPr/>
       </p:nvGrpSpPr>
@@ -1109,7 +1108,7 @@
       </p:grpSpPr>
       <p:sp>
         <p:nvSpPr>
-          <p:cNvPr id="79" name="Google Shape;79;g2746e3b856b_0_72:notes"/>
+          <p:cNvPr id="78" name="Google Shape;78;g2746e3b856b_0_20:notes"/>
           <p:cNvSpPr/>
           <p:nvPr>
             <p:ph idx="2" type="sldImg"/>
@@ -1144,7 +1143,7 @@
       </p:sp>
       <p:sp>
         <p:nvSpPr>
-          <p:cNvPr id="80" name="Google Shape;80;g2746e3b856b_0_72:notes"/>
+          <p:cNvPr id="79" name="Google Shape;79;g2746e3b856b_0_20:notes"/>
           <p:cNvSpPr txBox="1"/>
           <p:nvPr>
             <p:ph idx="1" type="body"/>
@@ -1208,7 +1207,7 @@
       </p:grpSpPr>
       <p:sp>
         <p:nvSpPr>
-          <p:cNvPr id="86" name="Google Shape;86;g2746e3b856b_0_20:notes"/>
+          <p:cNvPr id="86" name="Google Shape;86;g2746e3b856b_0_10:notes"/>
           <p:cNvSpPr/>
           <p:nvPr>
             <p:ph idx="2" type="sldImg"/>
@@ -1243,7 +1242,7 @@
       </p:sp>
       <p:sp>
         <p:nvSpPr>
-          <p:cNvPr id="87" name="Google Shape;87;g2746e3b856b_0_20:notes"/>
+          <p:cNvPr id="87" name="Google Shape;87;g2746e3b856b_0_10:notes"/>
           <p:cNvSpPr txBox="1"/>
           <p:nvPr>
             <p:ph idx="1" type="body"/>
@@ -1293,7 +1292,7 @@
   <p:cSld>
     <p:spTree>
       <p:nvGrpSpPr>
-        <p:cNvPr id="93" name="Shape 93"/>
+        <p:cNvPr id="91" name="Shape 91"/>
         <p:cNvGrpSpPr/>
         <p:nvPr/>
       </p:nvGrpSpPr>
@@ -1307,7 +1306,106 @@
       </p:grpSpPr>
       <p:sp>
         <p:nvSpPr>
-          <p:cNvPr id="94" name="Google Shape;94;g2746e3b856b_0_10:notes"/>
+          <p:cNvPr id="92" name="Google Shape;92;p:notes"/>
+          <p:cNvSpPr/>
+          <p:nvPr>
+            <p:ph idx="2" type="sldImg"/>
+          </p:nvPr>
+        </p:nvSpPr>
+        <p:spPr>
+          <a:xfrm>
+            <a:off x="381300" y="685800"/>
+            <a:ext cx="6096075" cy="3429000"/>
+          </a:xfrm>
+          <a:custGeom>
+            <a:rect b="b" l="l" r="r" t="t"/>
+            <a:pathLst>
+              <a:path extrusionOk="0" h="120000" w="120000">
+                <a:moveTo>
+                  <a:pt x="0" y="0"/>
+                </a:moveTo>
+                <a:lnTo>
+                  <a:pt x="120000" y="0"/>
+                </a:lnTo>
+                <a:lnTo>
+                  <a:pt x="120000" y="120000"/>
+                </a:lnTo>
+                <a:lnTo>
+                  <a:pt x="0" y="120000"/>
+                </a:lnTo>
+                <a:close/>
+              </a:path>
+            </a:pathLst>
+          </a:custGeom>
+        </p:spPr>
+      </p:sp>
+      <p:sp>
+        <p:nvSpPr>
+          <p:cNvPr id="93" name="Google Shape;93;p:notes"/>
+          <p:cNvSpPr txBox="1"/>
+          <p:nvPr>
+            <p:ph idx="1" type="body"/>
+          </p:nvPr>
+        </p:nvSpPr>
+        <p:spPr>
+          <a:xfrm>
+            <a:off x="685800" y="4343400"/>
+            <a:ext cx="5486400" cy="4114800"/>
+          </a:xfrm>
+          <a:prstGeom prst="rect">
+            <a:avLst/>
+          </a:prstGeom>
+        </p:spPr>
+        <p:txBody>
+          <a:bodyPr anchorCtr="0" anchor="t" bIns="91425" lIns="91425" spcFirstLastPara="1" rIns="91425" wrap="square" tIns="91425">
+            <a:noAutofit/>
+          </a:bodyPr>
+          <a:lstStyle/>
+          <a:p>
+            <a:pPr indent="0" lvl="0" marL="0" rtl="0" algn="l">
+              <a:spcBef>
+                <a:spcPts val="0"/>
+              </a:spcBef>
+              <a:spcAft>
+                <a:spcPts val="0"/>
+              </a:spcAft>
+              <a:buNone/>
+            </a:pPr>
+            <a:r>
+              <a:t/>
+            </a:r>
+            <a:endParaRPr/>
+          </a:p>
+        </p:txBody>
+      </p:sp>
+    </p:spTree>
+  </p:cSld>
+  <p:clrMapOvr>
+    <a:masterClrMapping/>
+  </p:clrMapOvr>
+</p:notes>
+</file>
+
+<file path=ppt/notesSlides/notesSlide8.xml><?xml version="1.0" encoding="utf-8"?>
+<p:notes xmlns:a="http://schemas.openxmlformats.org/drawingml/2006/main" xmlns:r="http://schemas.openxmlformats.org/officeDocument/2006/relationships" xmlns:mc="http://schemas.openxmlformats.org/markup-compatibility/2006" xmlns:mv="urn:schemas-microsoft-com:mac:vml" xmlns:p="http://schemas.openxmlformats.org/presentationml/2006/main" xmlns:c="http://schemas.openxmlformats.org/drawingml/2006/chart" xmlns:dgm="http://schemas.openxmlformats.org/drawingml/2006/diagram" xmlns:o="urn:schemas-microsoft-com:office:office" xmlns:v="urn:schemas-microsoft-com:vml" xmlns:pvml="urn:schemas-microsoft-com:office:powerpoint" xmlns:com="http://schemas.openxmlformats.org/drawingml/2006/compatibility" xmlns:p14="http://schemas.microsoft.com/office/powerpoint/2010/main" xmlns:p15="http://schemas.microsoft.com/office/powerpoint/2012/main" xmlns:ahyp="http://schemas.microsoft.com/office/drawing/2018/hyperlinkcolor" showMasterPhAnim="0" showMasterSp="0">
+  <p:cSld>
+    <p:spTree>
+      <p:nvGrpSpPr>
+        <p:cNvPr id="97" name="Shape 97"/>
+        <p:cNvGrpSpPr/>
+        <p:nvPr/>
+      </p:nvGrpSpPr>
+      <p:grpSpPr>
+        <a:xfrm>
+          <a:off x="0" y="0"/>
+          <a:ext cx="0" cy="0"/>
+          <a:chOff x="0" y="0"/>
+          <a:chExt cx="0" cy="0"/>
+        </a:xfrm>
+      </p:grpSpPr>
+      <p:sp>
+        <p:nvSpPr>
+          <p:cNvPr id="98" name="Google Shape;98;g2746e3b856b_0_66:notes"/>
           <p:cNvSpPr/>
           <p:nvPr>
             <p:ph idx="2" type="sldImg"/>
@@ -1342,205 +1440,7 @@
       </p:sp>
       <p:sp>
         <p:nvSpPr>
-          <p:cNvPr id="95" name="Google Shape;95;g2746e3b856b_0_10:notes"/>
-          <p:cNvSpPr txBox="1"/>
-          <p:nvPr>
-            <p:ph idx="1" type="body"/>
-          </p:nvPr>
-        </p:nvSpPr>
-        <p:spPr>
-          <a:xfrm>
-            <a:off x="685800" y="4343400"/>
-            <a:ext cx="5486400" cy="4114800"/>
-          </a:xfrm>
-          <a:prstGeom prst="rect">
-            <a:avLst/>
-          </a:prstGeom>
-        </p:spPr>
-        <p:txBody>
-          <a:bodyPr anchorCtr="0" anchor="t" bIns="91425" lIns="91425" spcFirstLastPara="1" rIns="91425" wrap="square" tIns="91425">
-            <a:noAutofit/>
-          </a:bodyPr>
-          <a:lstStyle/>
-          <a:p>
-            <a:pPr indent="0" lvl="0" marL="0" rtl="0" algn="l">
-              <a:spcBef>
-                <a:spcPts val="0"/>
-              </a:spcBef>
-              <a:spcAft>
-                <a:spcPts val="0"/>
-              </a:spcAft>
-              <a:buNone/>
-            </a:pPr>
-            <a:r>
-              <a:t/>
-            </a:r>
-            <a:endParaRPr/>
-          </a:p>
-        </p:txBody>
-      </p:sp>
-    </p:spTree>
-  </p:cSld>
-  <p:clrMapOvr>
-    <a:masterClrMapping/>
-  </p:clrMapOvr>
-</p:notes>
-</file>
-
-<file path=ppt/notesSlides/notesSlide8.xml><?xml version="1.0" encoding="utf-8"?>
-<p:notes xmlns:a="http://schemas.openxmlformats.org/drawingml/2006/main" xmlns:r="http://schemas.openxmlformats.org/officeDocument/2006/relationships" xmlns:mc="http://schemas.openxmlformats.org/markup-compatibility/2006" xmlns:mv="urn:schemas-microsoft-com:mac:vml" xmlns:p="http://schemas.openxmlformats.org/presentationml/2006/main" xmlns:c="http://schemas.openxmlformats.org/drawingml/2006/chart" xmlns:dgm="http://schemas.openxmlformats.org/drawingml/2006/diagram" xmlns:o="urn:schemas-microsoft-com:office:office" xmlns:v="urn:schemas-microsoft-com:vml" xmlns:pvml="urn:schemas-microsoft-com:office:powerpoint" xmlns:com="http://schemas.openxmlformats.org/drawingml/2006/compatibility" xmlns:p14="http://schemas.microsoft.com/office/powerpoint/2010/main" xmlns:p15="http://schemas.microsoft.com/office/powerpoint/2012/main" xmlns:ahyp="http://schemas.microsoft.com/office/drawing/2018/hyperlinkcolor" showMasterPhAnim="0" showMasterSp="0">
-  <p:cSld>
-    <p:spTree>
-      <p:nvGrpSpPr>
-        <p:cNvPr id="100" name="Shape 100"/>
-        <p:cNvGrpSpPr/>
-        <p:nvPr/>
-      </p:nvGrpSpPr>
-      <p:grpSpPr>
-        <a:xfrm>
-          <a:off x="0" y="0"/>
-          <a:ext cx="0" cy="0"/>
-          <a:chOff x="0" y="0"/>
-          <a:chExt cx="0" cy="0"/>
-        </a:xfrm>
-      </p:grpSpPr>
-      <p:sp>
-        <p:nvSpPr>
-          <p:cNvPr id="101" name="Google Shape;101;p:notes"/>
-          <p:cNvSpPr/>
-          <p:nvPr>
-            <p:ph idx="2" type="sldImg"/>
-          </p:nvPr>
-        </p:nvSpPr>
-        <p:spPr>
-          <a:xfrm>
-            <a:off x="381300" y="685800"/>
-            <a:ext cx="6096075" cy="3429000"/>
-          </a:xfrm>
-          <a:custGeom>
-            <a:rect b="b" l="l" r="r" t="t"/>
-            <a:pathLst>
-              <a:path extrusionOk="0" h="120000" w="120000">
-                <a:moveTo>
-                  <a:pt x="0" y="0"/>
-                </a:moveTo>
-                <a:lnTo>
-                  <a:pt x="120000" y="0"/>
-                </a:lnTo>
-                <a:lnTo>
-                  <a:pt x="120000" y="120000"/>
-                </a:lnTo>
-                <a:lnTo>
-                  <a:pt x="0" y="120000"/>
-                </a:lnTo>
-                <a:close/>
-              </a:path>
-            </a:pathLst>
-          </a:custGeom>
-        </p:spPr>
-      </p:sp>
-      <p:sp>
-        <p:nvSpPr>
-          <p:cNvPr id="102" name="Google Shape;102;p:notes"/>
-          <p:cNvSpPr txBox="1"/>
-          <p:nvPr>
-            <p:ph idx="1" type="body"/>
-          </p:nvPr>
-        </p:nvSpPr>
-        <p:spPr>
-          <a:xfrm>
-            <a:off x="685800" y="4343400"/>
-            <a:ext cx="5486400" cy="4114800"/>
-          </a:xfrm>
-          <a:prstGeom prst="rect">
-            <a:avLst/>
-          </a:prstGeom>
-        </p:spPr>
-        <p:txBody>
-          <a:bodyPr anchorCtr="0" anchor="t" bIns="91425" lIns="91425" spcFirstLastPara="1" rIns="91425" wrap="square" tIns="91425">
-            <a:noAutofit/>
-          </a:bodyPr>
-          <a:lstStyle/>
-          <a:p>
-            <a:pPr indent="0" lvl="0" marL="0" rtl="0" algn="l">
-              <a:spcBef>
-                <a:spcPts val="0"/>
-              </a:spcBef>
-              <a:spcAft>
-                <a:spcPts val="0"/>
-              </a:spcAft>
-              <a:buNone/>
-            </a:pPr>
-            <a:r>
-              <a:t/>
-            </a:r>
-            <a:endParaRPr/>
-          </a:p>
-        </p:txBody>
-      </p:sp>
-    </p:spTree>
-  </p:cSld>
-  <p:clrMapOvr>
-    <a:masterClrMapping/>
-  </p:clrMapOvr>
-</p:notes>
-</file>
-
-<file path=ppt/notesSlides/notesSlide9.xml><?xml version="1.0" encoding="utf-8"?>
-<p:notes xmlns:a="http://schemas.openxmlformats.org/drawingml/2006/main" xmlns:r="http://schemas.openxmlformats.org/officeDocument/2006/relationships" xmlns:mc="http://schemas.openxmlformats.org/markup-compatibility/2006" xmlns:mv="urn:schemas-microsoft-com:mac:vml" xmlns:p="http://schemas.openxmlformats.org/presentationml/2006/main" xmlns:c="http://schemas.openxmlformats.org/drawingml/2006/chart" xmlns:dgm="http://schemas.openxmlformats.org/drawingml/2006/diagram" xmlns:o="urn:schemas-microsoft-com:office:office" xmlns:v="urn:schemas-microsoft-com:vml" xmlns:pvml="urn:schemas-microsoft-com:office:powerpoint" xmlns:com="http://schemas.openxmlformats.org/drawingml/2006/compatibility" xmlns:p14="http://schemas.microsoft.com/office/powerpoint/2010/main" xmlns:p15="http://schemas.microsoft.com/office/powerpoint/2012/main" xmlns:ahyp="http://schemas.microsoft.com/office/drawing/2018/hyperlinkcolor" showMasterPhAnim="0" showMasterSp="0">
-  <p:cSld>
-    <p:spTree>
-      <p:nvGrpSpPr>
-        <p:cNvPr id="106" name="Shape 106"/>
-        <p:cNvGrpSpPr/>
-        <p:nvPr/>
-      </p:nvGrpSpPr>
-      <p:grpSpPr>
-        <a:xfrm>
-          <a:off x="0" y="0"/>
-          <a:ext cx="0" cy="0"/>
-          <a:chOff x="0" y="0"/>
-          <a:chExt cx="0" cy="0"/>
-        </a:xfrm>
-      </p:grpSpPr>
-      <p:sp>
-        <p:nvSpPr>
-          <p:cNvPr id="107" name="Google Shape;107;g2746e3b856b_0_66:notes"/>
-          <p:cNvSpPr/>
-          <p:nvPr>
-            <p:ph idx="2" type="sldImg"/>
-          </p:nvPr>
-        </p:nvSpPr>
-        <p:spPr>
-          <a:xfrm>
-            <a:off x="381300" y="685800"/>
-            <a:ext cx="6096000" cy="3429000"/>
-          </a:xfrm>
-          <a:custGeom>
-            <a:rect b="b" l="l" r="r" t="t"/>
-            <a:pathLst>
-              <a:path extrusionOk="0" h="120000" w="120000">
-                <a:moveTo>
-                  <a:pt x="0" y="0"/>
-                </a:moveTo>
-                <a:lnTo>
-                  <a:pt x="120000" y="0"/>
-                </a:lnTo>
-                <a:lnTo>
-                  <a:pt x="120000" y="120000"/>
-                </a:lnTo>
-                <a:lnTo>
-                  <a:pt x="0" y="120000"/>
-                </a:lnTo>
-                <a:close/>
-              </a:path>
-            </a:pathLst>
-          </a:custGeom>
-        </p:spPr>
-      </p:sp>
-      <p:sp>
-        <p:nvSpPr>
-          <p:cNvPr id="108" name="Google Shape;108;g2746e3b856b_0_66:notes"/>
+          <p:cNvPr id="99" name="Google Shape;99;g2746e3b856b_0_66:notes"/>
           <p:cNvSpPr txBox="1"/>
           <p:nvPr>
             <p:ph idx="1" type="body"/>
@@ -6764,234 +6664,6 @@
         </p:nvSpPr>
         <p:spPr>
           <a:xfrm>
-            <a:off x="91725" y="76575"/>
-            <a:ext cx="5205600" cy="366300"/>
-          </a:xfrm>
-          <a:prstGeom prst="rect">
-            <a:avLst/>
-          </a:prstGeom>
-          <a:noFill/>
-          <a:ln>
-            <a:noFill/>
-          </a:ln>
-        </p:spPr>
-        <p:txBody>
-          <a:bodyPr anchorCtr="0" anchor="t" bIns="91425" lIns="91425" spcFirstLastPara="1" rIns="91425" wrap="square" tIns="91425">
-            <a:noAutofit/>
-          </a:bodyPr>
-          <a:lstStyle/>
-          <a:p>
-            <a:pPr indent="0" lvl="0" marL="0" rtl="0" algn="l">
-              <a:spcBef>
-                <a:spcPts val="0"/>
-              </a:spcBef>
-              <a:spcAft>
-                <a:spcPts val="0"/>
-              </a:spcAft>
-              <a:buNone/>
-            </a:pPr>
-            <a:r>
-              <a:rPr b="1" lang="vi"/>
-              <a:t>INTRODUCTION TO POLYGENIC RISK SCORE</a:t>
-            </a:r>
-            <a:endParaRPr b="1"/>
-          </a:p>
-        </p:txBody>
-      </p:sp>
-      <p:sp>
-        <p:nvSpPr>
-          <p:cNvPr id="75" name="Google Shape;75;p16"/>
-          <p:cNvSpPr txBox="1"/>
-          <p:nvPr/>
-        </p:nvSpPr>
-        <p:spPr>
-          <a:xfrm>
-            <a:off x="381375" y="2668025"/>
-            <a:ext cx="4091100" cy="427500"/>
-          </a:xfrm>
-          <a:prstGeom prst="rect">
-            <a:avLst/>
-          </a:prstGeom>
-          <a:noFill/>
-          <a:ln>
-            <a:noFill/>
-          </a:ln>
-        </p:spPr>
-        <p:txBody>
-          <a:bodyPr anchorCtr="0" anchor="t" bIns="91425" lIns="91425" spcFirstLastPara="1" rIns="91425" wrap="square" tIns="91425">
-            <a:noAutofit/>
-          </a:bodyPr>
-          <a:lstStyle/>
-          <a:p>
-            <a:pPr indent="0" lvl="0" marL="0" rtl="0" algn="l">
-              <a:spcBef>
-                <a:spcPts val="0"/>
-              </a:spcBef>
-              <a:spcAft>
-                <a:spcPts val="0"/>
-              </a:spcAft>
-              <a:buNone/>
-            </a:pPr>
-            <a:r>
-              <a:rPr b="1" lang="vi"/>
-              <a:t>Polygenetic Risk Score (PRS)</a:t>
-            </a:r>
-            <a:endParaRPr b="1"/>
-          </a:p>
-        </p:txBody>
-      </p:sp>
-      <p:sp>
-        <p:nvSpPr>
-          <p:cNvPr id="76" name="Google Shape;76;p16"/>
-          <p:cNvSpPr txBox="1"/>
-          <p:nvPr/>
-        </p:nvSpPr>
-        <p:spPr>
-          <a:xfrm>
-            <a:off x="381375" y="3019325"/>
-            <a:ext cx="7434300" cy="564900"/>
-          </a:xfrm>
-          <a:prstGeom prst="rect">
-            <a:avLst/>
-          </a:prstGeom>
-          <a:noFill/>
-          <a:ln>
-            <a:noFill/>
-          </a:ln>
-        </p:spPr>
-        <p:txBody>
-          <a:bodyPr anchorCtr="0" anchor="t" bIns="91425" lIns="91425" spcFirstLastPara="1" rIns="91425" wrap="square" tIns="91425">
-            <a:noAutofit/>
-          </a:bodyPr>
-          <a:lstStyle/>
-          <a:p>
-            <a:pPr indent="0" lvl="0" marL="0" rtl="0" algn="l">
-              <a:spcBef>
-                <a:spcPts val="0"/>
-              </a:spcBef>
-              <a:spcAft>
-                <a:spcPts val="0"/>
-              </a:spcAft>
-              <a:buNone/>
-            </a:pPr>
-            <a:r>
-              <a:rPr lang="vi">
-                <a:solidFill>
-                  <a:schemeClr val="dk1"/>
-                </a:solidFill>
-              </a:rPr>
-              <a:t>A polygenic risk score estimates the genetic risk of an individual for some disease or trait, calculated by aggregating the effect of many common variants associated with the condition.</a:t>
-            </a:r>
-            <a:endParaRPr sz="1700"/>
-          </a:p>
-        </p:txBody>
-      </p:sp>
-      <p:sp>
-        <p:nvSpPr>
-          <p:cNvPr id="77" name="Google Shape;77;p16"/>
-          <p:cNvSpPr txBox="1"/>
-          <p:nvPr/>
-        </p:nvSpPr>
-        <p:spPr>
-          <a:xfrm>
-            <a:off x="335850" y="778550"/>
-            <a:ext cx="7866300" cy="1709700"/>
-          </a:xfrm>
-          <a:prstGeom prst="rect">
-            <a:avLst/>
-          </a:prstGeom>
-          <a:noFill/>
-          <a:ln>
-            <a:noFill/>
-          </a:ln>
-        </p:spPr>
-        <p:txBody>
-          <a:bodyPr anchorCtr="0" anchor="t" bIns="91425" lIns="91425" spcFirstLastPara="1" rIns="91425" wrap="square" tIns="91425">
-            <a:noAutofit/>
-          </a:bodyPr>
-          <a:lstStyle/>
-          <a:p>
-            <a:pPr indent="0" lvl="0" marL="0" rtl="0" algn="l">
-              <a:spcBef>
-                <a:spcPts val="0"/>
-              </a:spcBef>
-              <a:spcAft>
-                <a:spcPts val="0"/>
-              </a:spcAft>
-              <a:buNone/>
-            </a:pPr>
-            <a:r>
-              <a:rPr b="1" lang="vi"/>
-              <a:t>Polygene</a:t>
-            </a:r>
-            <a:endParaRPr b="1"/>
-          </a:p>
-          <a:p>
-            <a:pPr indent="0" lvl="0" marL="0" rtl="0" algn="l">
-              <a:spcBef>
-                <a:spcPts val="0"/>
-              </a:spcBef>
-              <a:spcAft>
-                <a:spcPts val="0"/>
-              </a:spcAft>
-              <a:buNone/>
-            </a:pPr>
-            <a:r>
-              <a:t/>
-            </a:r>
-            <a:endParaRPr b="1"/>
-          </a:p>
-          <a:p>
-            <a:pPr indent="0" lvl="0" marL="0" rtl="0" algn="l">
-              <a:spcBef>
-                <a:spcPts val="0"/>
-              </a:spcBef>
-              <a:spcAft>
-                <a:spcPts val="0"/>
-              </a:spcAft>
-              <a:buNone/>
-            </a:pPr>
-            <a:r>
-              <a:rPr lang="vi"/>
-              <a:t>A polygene is a member of a group of non-epistatic genes that interact additively to influence a phenotypic trait, thus contributing to multiple-gene inheritance (polygenic inheritance, multigenic inheritance, quantitative inheritance), a type of non-Mendelian inheritance, as opposed to single-gene inheritance, which is the core notion of Mendelian inheritance</a:t>
-            </a:r>
-            <a:endParaRPr/>
-          </a:p>
-        </p:txBody>
-      </p:sp>
-    </p:spTree>
-  </p:cSld>
-  <p:clrMapOvr>
-    <a:masterClrMapping/>
-  </p:clrMapOvr>
-</p:sld>
-</file>
-
-<file path=ppt/slides/slide5.xml><?xml version="1.0" encoding="utf-8"?>
-<p:sld xmlns:a="http://schemas.openxmlformats.org/drawingml/2006/main" xmlns:r="http://schemas.openxmlformats.org/officeDocument/2006/relationships" xmlns:mc="http://schemas.openxmlformats.org/markup-compatibility/2006" xmlns:mv="urn:schemas-microsoft-com:mac:vml" xmlns:p="http://schemas.openxmlformats.org/presentationml/2006/main" xmlns:c="http://schemas.openxmlformats.org/drawingml/2006/chart" xmlns:dgm="http://schemas.openxmlformats.org/drawingml/2006/diagram" xmlns:o="urn:schemas-microsoft-com:office:office" xmlns:v="urn:schemas-microsoft-com:vml" xmlns:pvml="urn:schemas-microsoft-com:office:powerpoint" xmlns:com="http://schemas.openxmlformats.org/drawingml/2006/compatibility" xmlns:p14="http://schemas.microsoft.com/office/powerpoint/2010/main" xmlns:p15="http://schemas.microsoft.com/office/powerpoint/2012/main" xmlns:ahyp="http://schemas.microsoft.com/office/drawing/2018/hyperlinkcolor">
-  <p:cSld>
-    <p:spTree>
-      <p:nvGrpSpPr>
-        <p:cNvPr id="81" name="Shape 81"/>
-        <p:cNvGrpSpPr/>
-        <p:nvPr/>
-      </p:nvGrpSpPr>
-      <p:grpSpPr>
-        <a:xfrm>
-          <a:off x="0" y="0"/>
-          <a:ext cx="0" cy="0"/>
-          <a:chOff x="0" y="0"/>
-          <a:chExt cx="0" cy="0"/>
-        </a:xfrm>
-      </p:grpSpPr>
-      <p:sp>
-        <p:nvSpPr>
-          <p:cNvPr id="82" name="Google Shape;82;p17"/>
-          <p:cNvSpPr txBox="1"/>
-          <p:nvPr/>
-        </p:nvSpPr>
-        <p:spPr>
-          <a:xfrm>
             <a:off x="244225" y="1617450"/>
             <a:ext cx="7971600" cy="1693200"/>
           </a:xfrm>
@@ -7075,7 +6747,7 @@
       </p:sp>
       <p:sp>
         <p:nvSpPr>
-          <p:cNvPr id="83" name="Google Shape;83;p17"/>
+          <p:cNvPr id="75" name="Google Shape;75;p16"/>
           <p:cNvSpPr txBox="1"/>
           <p:nvPr/>
         </p:nvSpPr>
@@ -7117,7 +6789,7 @@
       </p:sp>
       <p:sp>
         <p:nvSpPr>
-          <p:cNvPr id="84" name="Google Shape;84;p17"/>
+          <p:cNvPr id="76" name="Google Shape;76;p16"/>
           <p:cNvSpPr txBox="1"/>
           <p:nvPr/>
         </p:nvSpPr>
@@ -7165,12 +6837,12 @@
 </p:sld>
 </file>
 
-<file path=ppt/slides/slide6.xml><?xml version="1.0" encoding="utf-8"?>
+<file path=ppt/slides/slide5.xml><?xml version="1.0" encoding="utf-8"?>
 <p:sld xmlns:a="http://schemas.openxmlformats.org/drawingml/2006/main" xmlns:r="http://schemas.openxmlformats.org/officeDocument/2006/relationships" xmlns:mc="http://schemas.openxmlformats.org/markup-compatibility/2006" xmlns:mv="urn:schemas-microsoft-com:mac:vml" xmlns:p="http://schemas.openxmlformats.org/presentationml/2006/main" xmlns:c="http://schemas.openxmlformats.org/drawingml/2006/chart" xmlns:dgm="http://schemas.openxmlformats.org/drawingml/2006/diagram" xmlns:o="urn:schemas-microsoft-com:office:office" xmlns:v="urn:schemas-microsoft-com:vml" xmlns:pvml="urn:schemas-microsoft-com:office:powerpoint" xmlns:com="http://schemas.openxmlformats.org/drawingml/2006/compatibility" xmlns:p14="http://schemas.microsoft.com/office/powerpoint/2010/main" xmlns:p15="http://schemas.microsoft.com/office/powerpoint/2012/main" xmlns:ahyp="http://schemas.microsoft.com/office/drawing/2018/hyperlinkcolor">
   <p:cSld>
     <p:spTree>
       <p:nvGrpSpPr>
-        <p:cNvPr id="88" name="Shape 88"/>
+        <p:cNvPr id="80" name="Shape 80"/>
         <p:cNvGrpSpPr/>
         <p:nvPr/>
       </p:nvGrpSpPr>
@@ -7184,7 +6856,7 @@
       </p:grpSpPr>
       <p:sp>
         <p:nvSpPr>
-          <p:cNvPr id="89" name="Google Shape;89;p18"/>
+          <p:cNvPr id="81" name="Google Shape;81;p17"/>
           <p:cNvSpPr txBox="1"/>
           <p:nvPr/>
         </p:nvSpPr>
@@ -7226,7 +6898,7 @@
       </p:sp>
       <p:pic>
         <p:nvPicPr>
-          <p:cNvPr id="90" name="Google Shape;90;p18"/>
+          <p:cNvPr id="82" name="Google Shape;82;p17"/>
           <p:cNvPicPr preferRelativeResize="0"/>
           <p:nvPr/>
         </p:nvPicPr>
@@ -7254,7 +6926,7 @@
       </p:pic>
       <p:pic>
         <p:nvPicPr>
-          <p:cNvPr id="91" name="Google Shape;91;p18"/>
+          <p:cNvPr id="83" name="Google Shape;83;p17"/>
           <p:cNvPicPr preferRelativeResize="0"/>
           <p:nvPr/>
         </p:nvPicPr>
@@ -7282,10 +6954,10 @@
       </p:pic>
       <p:cxnSp>
         <p:nvCxnSpPr>
-          <p:cNvPr id="92" name="Google Shape;92;p18"/>
+          <p:cNvPr id="84" name="Google Shape;84;p17"/>
           <p:cNvCxnSpPr>
-            <a:stCxn id="90" idx="2"/>
-            <a:endCxn id="91" idx="0"/>
+            <a:stCxn id="82" idx="2"/>
+            <a:endCxn id="83" idx="0"/>
           </p:cNvCxnSpPr>
           <p:nvPr/>
         </p:nvCxnSpPr>
@@ -7321,12 +6993,12 @@
 </p:sld>
 </file>
 
-<file path=ppt/slides/slide7.xml><?xml version="1.0" encoding="utf-8"?>
+<file path=ppt/slides/slide6.xml><?xml version="1.0" encoding="utf-8"?>
 <p:sld xmlns:a="http://schemas.openxmlformats.org/drawingml/2006/main" xmlns:r="http://schemas.openxmlformats.org/officeDocument/2006/relationships" xmlns:mc="http://schemas.openxmlformats.org/markup-compatibility/2006" xmlns:mv="urn:schemas-microsoft-com:mac:vml" xmlns:p="http://schemas.openxmlformats.org/presentationml/2006/main" xmlns:c="http://schemas.openxmlformats.org/drawingml/2006/chart" xmlns:dgm="http://schemas.openxmlformats.org/drawingml/2006/diagram" xmlns:o="urn:schemas-microsoft-com:office:office" xmlns:v="urn:schemas-microsoft-com:vml" xmlns:pvml="urn:schemas-microsoft-com:office:powerpoint" xmlns:com="http://schemas.openxmlformats.org/drawingml/2006/compatibility" xmlns:p14="http://schemas.microsoft.com/office/powerpoint/2010/main" xmlns:p15="http://schemas.microsoft.com/office/powerpoint/2012/main" xmlns:ahyp="http://schemas.microsoft.com/office/drawing/2018/hyperlinkcolor">
   <p:cSld>
     <p:spTree>
       <p:nvGrpSpPr>
-        <p:cNvPr id="96" name="Shape 96"/>
+        <p:cNvPr id="88" name="Shape 88"/>
         <p:cNvGrpSpPr/>
         <p:nvPr/>
       </p:nvGrpSpPr>
@@ -7340,13 +7012,13 @@
       </p:grpSpPr>
       <p:sp>
         <p:nvSpPr>
-          <p:cNvPr id="97" name="Google Shape;97;p19"/>
+          <p:cNvPr id="89" name="Google Shape;89;p18"/>
           <p:cNvSpPr txBox="1"/>
           <p:nvPr/>
         </p:nvSpPr>
         <p:spPr>
           <a:xfrm>
-            <a:off x="328200" y="1294200"/>
+            <a:off x="328200" y="1065600"/>
             <a:ext cx="8487600" cy="2555100"/>
           </a:xfrm>
           <a:prstGeom prst="rect">
@@ -7456,7 +7128,7 @@
       </p:sp>
       <p:sp>
         <p:nvSpPr>
-          <p:cNvPr id="98" name="Google Shape;98;p19"/>
+          <p:cNvPr id="90" name="Google Shape;90;p18"/>
           <p:cNvSpPr txBox="1"/>
           <p:nvPr/>
         </p:nvSpPr>
@@ -7490,49 +7162,7 @@
             </a:pPr>
             <a:r>
               <a:rPr b="1" lang="vi"/>
-              <a:t>INTRODUCTION TO POLYGENIC RISK SCORE</a:t>
-            </a:r>
-            <a:endParaRPr b="1"/>
-          </a:p>
-        </p:txBody>
-      </p:sp>
-      <p:sp>
-        <p:nvSpPr>
-          <p:cNvPr id="99" name="Google Shape;99;p19"/>
-          <p:cNvSpPr txBox="1"/>
-          <p:nvPr/>
-        </p:nvSpPr>
-        <p:spPr>
-          <a:xfrm>
-            <a:off x="213725" y="488500"/>
-            <a:ext cx="1755600" cy="244200"/>
-          </a:xfrm>
-          <a:prstGeom prst="rect">
-            <a:avLst/>
-          </a:prstGeom>
-          <a:noFill/>
-          <a:ln>
-            <a:noFill/>
-          </a:ln>
-        </p:spPr>
-        <p:txBody>
-          <a:bodyPr anchorCtr="0" anchor="t" bIns="91425" lIns="91425" spcFirstLastPara="1" rIns="91425" wrap="square" tIns="91425">
-            <a:noAutofit/>
-          </a:bodyPr>
-          <a:lstStyle/>
-          <a:p>
-            <a:pPr indent="0" lvl="0" marL="0" rtl="0" algn="l">
-              <a:spcBef>
-                <a:spcPts val="0"/>
-              </a:spcBef>
-              <a:spcAft>
-                <a:spcPts val="0"/>
-              </a:spcAft>
-              <a:buNone/>
-            </a:pPr>
-            <a:r>
-              <a:rPr b="1" lang="vi"/>
-              <a:t>Application</a:t>
+              <a:t>APPLIICATION</a:t>
             </a:r>
             <a:endParaRPr b="1"/>
           </a:p>
@@ -7546,12 +7176,12 @@
 </p:sld>
 </file>
 
-<file path=ppt/slides/slide8.xml><?xml version="1.0" encoding="utf-8"?>
+<file path=ppt/slides/slide7.xml><?xml version="1.0" encoding="utf-8"?>
 <p:sld xmlns:a="http://schemas.openxmlformats.org/drawingml/2006/main" xmlns:r="http://schemas.openxmlformats.org/officeDocument/2006/relationships" xmlns:mc="http://schemas.openxmlformats.org/markup-compatibility/2006" xmlns:mv="urn:schemas-microsoft-com:mac:vml" xmlns:p="http://schemas.openxmlformats.org/presentationml/2006/main" xmlns:c="http://schemas.openxmlformats.org/drawingml/2006/chart" xmlns:dgm="http://schemas.openxmlformats.org/drawingml/2006/diagram" xmlns:o="urn:schemas-microsoft-com:office:office" xmlns:v="urn:schemas-microsoft-com:vml" xmlns:pvml="urn:schemas-microsoft-com:office:powerpoint" xmlns:com="http://schemas.openxmlformats.org/drawingml/2006/compatibility" xmlns:p14="http://schemas.microsoft.com/office/powerpoint/2010/main" xmlns:p15="http://schemas.microsoft.com/office/powerpoint/2012/main" xmlns:ahyp="http://schemas.microsoft.com/office/drawing/2018/hyperlinkcolor">
   <p:cSld>
     <p:spTree>
       <p:nvGrpSpPr>
-        <p:cNvPr id="103" name="Shape 103"/>
+        <p:cNvPr id="94" name="Shape 94"/>
         <p:cNvGrpSpPr/>
         <p:nvPr/>
       </p:nvGrpSpPr>
@@ -7565,7 +7195,7 @@
       </p:grpSpPr>
       <p:sp>
         <p:nvSpPr>
-          <p:cNvPr id="104" name="Google Shape;104;p20"/>
+          <p:cNvPr id="95" name="Google Shape;95;p19"/>
           <p:cNvSpPr txBox="1"/>
           <p:nvPr/>
         </p:nvSpPr>
@@ -7607,7 +7237,7 @@
       </p:sp>
       <p:sp>
         <p:nvSpPr>
-          <p:cNvPr id="105" name="Google Shape;105;p20"/>
+          <p:cNvPr id="96" name="Google Shape;96;p19"/>
           <p:cNvSpPr txBox="1"/>
           <p:nvPr/>
         </p:nvSpPr>
@@ -7704,12 +7334,12 @@
 </p:sld>
 </file>
 
-<file path=ppt/slides/slide9.xml><?xml version="1.0" encoding="utf-8"?>
+<file path=ppt/slides/slide8.xml><?xml version="1.0" encoding="utf-8"?>
 <p:sld xmlns:a="http://schemas.openxmlformats.org/drawingml/2006/main" xmlns:r="http://schemas.openxmlformats.org/officeDocument/2006/relationships" xmlns:mc="http://schemas.openxmlformats.org/markup-compatibility/2006" xmlns:mv="urn:schemas-microsoft-com:mac:vml" xmlns:p="http://schemas.openxmlformats.org/presentationml/2006/main" xmlns:c="http://schemas.openxmlformats.org/drawingml/2006/chart" xmlns:dgm="http://schemas.openxmlformats.org/drawingml/2006/diagram" xmlns:o="urn:schemas-microsoft-com:office:office" xmlns:v="urn:schemas-microsoft-com:vml" xmlns:pvml="urn:schemas-microsoft-com:office:powerpoint" xmlns:com="http://schemas.openxmlformats.org/drawingml/2006/compatibility" xmlns:p14="http://schemas.microsoft.com/office/powerpoint/2010/main" xmlns:p15="http://schemas.microsoft.com/office/powerpoint/2012/main" xmlns:ahyp="http://schemas.microsoft.com/office/drawing/2018/hyperlinkcolor">
   <p:cSld>
     <p:spTree>
       <p:nvGrpSpPr>
-        <p:cNvPr id="109" name="Shape 109"/>
+        <p:cNvPr id="100" name="Shape 100"/>
         <p:cNvGrpSpPr/>
         <p:nvPr/>
       </p:nvGrpSpPr>
@@ -7723,7 +7353,7 @@
       </p:grpSpPr>
       <p:sp>
         <p:nvSpPr>
-          <p:cNvPr id="110" name="Google Shape;110;p21"/>
+          <p:cNvPr id="101" name="Google Shape;101;p20"/>
           <p:cNvSpPr txBox="1"/>
           <p:nvPr/>
         </p:nvSpPr>
@@ -7765,7 +7395,7 @@
       </p:sp>
       <p:sp>
         <p:nvSpPr>
-          <p:cNvPr id="111" name="Google Shape;111;p21"/>
+          <p:cNvPr id="102" name="Google Shape;102;p20"/>
           <p:cNvSpPr txBox="1"/>
           <p:nvPr/>
         </p:nvSpPr>
@@ -7827,6 +7457,285 @@
 </file>
 
 <file path=ppt/theme/theme1.xml><?xml version="1.0" encoding="utf-8"?>
+<a:theme xmlns:a="http://schemas.openxmlformats.org/drawingml/2006/main" xmlns:r="http://schemas.openxmlformats.org/officeDocument/2006/relationships" name="Simple Light">
+  <a:themeElements>
+    <a:clrScheme name="Simple Light">
+      <a:dk1>
+        <a:srgbClr val="000000"/>
+      </a:dk1>
+      <a:lt1>
+        <a:srgbClr val="FFFFFF"/>
+      </a:lt1>
+      <a:dk2>
+        <a:srgbClr val="595959"/>
+      </a:dk2>
+      <a:lt2>
+        <a:srgbClr val="EEEEEE"/>
+      </a:lt2>
+      <a:accent1>
+        <a:srgbClr val="4285F4"/>
+      </a:accent1>
+      <a:accent2>
+        <a:srgbClr val="212121"/>
+      </a:accent2>
+      <a:accent3>
+        <a:srgbClr val="78909C"/>
+      </a:accent3>
+      <a:accent4>
+        <a:srgbClr val="FFAB40"/>
+      </a:accent4>
+      <a:accent5>
+        <a:srgbClr val="0097A7"/>
+      </a:accent5>
+      <a:accent6>
+        <a:srgbClr val="EEFF41"/>
+      </a:accent6>
+      <a:hlink>
+        <a:srgbClr val="0097A7"/>
+      </a:hlink>
+      <a:folHlink>
+        <a:srgbClr val="0097A7"/>
+      </a:folHlink>
+    </a:clrScheme>
+    <a:fontScheme name="Office">
+      <a:majorFont>
+        <a:latin typeface="Arial"/>
+        <a:ea typeface=""/>
+        <a:cs typeface=""/>
+        <a:font script="Jpan" typeface="ＭＳ Ｐゴシック"/>
+        <a:font script="Hang" typeface="맑은 고딕"/>
+        <a:font script="Hans" typeface="宋体"/>
+        <a:font script="Hant" typeface="新細明體"/>
+        <a:font script="Arab" typeface="Times New Roman"/>
+        <a:font script="Hebr" typeface="Times New Roman"/>
+        <a:font script="Thai" typeface="Angsana New"/>
+        <a:font script="Ethi" typeface="Nyala"/>
+        <a:font script="Beng" typeface="Vrinda"/>
+        <a:font script="Gujr" typeface="Shruti"/>
+        <a:font script="Khmr" typeface="MoolBoran"/>
+        <a:font script="Knda" typeface="Tunga"/>
+        <a:font script="Guru" typeface="Raavi"/>
+        <a:font script="Cans" typeface="Euphemia"/>
+        <a:font script="Cher" typeface="Plantagenet Cherokee"/>
+        <a:font script="Yiii" typeface="Microsoft Yi Baiti"/>
+        <a:font script="Tibt" typeface="Microsoft Himalaya"/>
+        <a:font script="Thaa" typeface="MV Boli"/>
+        <a:font script="Deva" typeface="Mangal"/>
+        <a:font script="Telu" typeface="Gautami"/>
+        <a:font script="Taml" typeface="Latha"/>
+        <a:font script="Syrc" typeface="Estrangelo Edessa"/>
+        <a:font script="Orya" typeface="Kalinga"/>
+        <a:font script="Mlym" typeface="Kartika"/>
+        <a:font script="Laoo" typeface="DokChampa"/>
+        <a:font script="Sinh" typeface="Iskoola Pota"/>
+        <a:font script="Mong" typeface="Mongolian Baiti"/>
+        <a:font script="Viet" typeface="Times New Roman"/>
+        <a:font script="Uigh" typeface="Microsoft Uighur"/>
+        <a:font script="Geor" typeface="Sylfaen"/>
+      </a:majorFont>
+      <a:minorFont>
+        <a:latin typeface="Arial"/>
+        <a:ea typeface=""/>
+        <a:cs typeface=""/>
+        <a:font script="Jpan" typeface="ＭＳ Ｐゴシック"/>
+        <a:font script="Hang" typeface="맑은 고딕"/>
+        <a:font script="Hans" typeface="宋体"/>
+        <a:font script="Hant" typeface="新細明體"/>
+        <a:font script="Arab" typeface="Arial"/>
+        <a:font script="Hebr" typeface="Arial"/>
+        <a:font script="Thai" typeface="Cordia New"/>
+        <a:font script="Ethi" typeface="Nyala"/>
+        <a:font script="Beng" typeface="Vrinda"/>
+        <a:font script="Gujr" typeface="Shruti"/>
+        <a:font script="Khmr" typeface="DaunPenh"/>
+        <a:font script="Knda" typeface="Tunga"/>
+        <a:font script="Guru" typeface="Raavi"/>
+        <a:font script="Cans" typeface="Euphemia"/>
+        <a:font script="Cher" typeface="Plantagenet Cherokee"/>
+        <a:font script="Yiii" typeface="Microsoft Yi Baiti"/>
+        <a:font script="Tibt" typeface="Microsoft Himalaya"/>
+        <a:font script="Thaa" typeface="MV Boli"/>
+        <a:font script="Deva" typeface="Mangal"/>
+        <a:font script="Telu" typeface="Gautami"/>
+        <a:font script="Taml" typeface="Latha"/>
+        <a:font script="Syrc" typeface="Estrangelo Edessa"/>
+        <a:font script="Orya" typeface="Kalinga"/>
+        <a:font script="Mlym" typeface="Kartika"/>
+        <a:font script="Laoo" typeface="DokChampa"/>
+        <a:font script="Sinh" typeface="Iskoola Pota"/>
+        <a:font script="Mong" typeface="Mongolian Baiti"/>
+        <a:font script="Viet" typeface="Arial"/>
+        <a:font script="Uigh" typeface="Microsoft Uighur"/>
+        <a:font script="Geor" typeface="Sylfaen"/>
+      </a:minorFont>
+    </a:fontScheme>
+    <a:fmtScheme name="Office">
+      <a:fillStyleLst>
+        <a:solidFill>
+          <a:schemeClr val="phClr"/>
+        </a:solidFill>
+        <a:gradFill rotWithShape="1">
+          <a:gsLst>
+            <a:gs pos="0">
+              <a:schemeClr val="phClr">
+                <a:tint val="50000"/>
+                <a:satMod val="300000"/>
+              </a:schemeClr>
+            </a:gs>
+            <a:gs pos="35000">
+              <a:schemeClr val="phClr">
+                <a:tint val="37000"/>
+                <a:satMod val="300000"/>
+              </a:schemeClr>
+            </a:gs>
+            <a:gs pos="100000">
+              <a:schemeClr val="phClr">
+                <a:tint val="15000"/>
+                <a:satMod val="350000"/>
+              </a:schemeClr>
+            </a:gs>
+          </a:gsLst>
+          <a:lin ang="16200000" scaled="1"/>
+        </a:gradFill>
+        <a:gradFill rotWithShape="1">
+          <a:gsLst>
+            <a:gs pos="0">
+              <a:schemeClr val="phClr">
+                <a:tint val="100000"/>
+                <a:shade val="100000"/>
+                <a:satMod val="130000"/>
+              </a:schemeClr>
+            </a:gs>
+            <a:gs pos="100000">
+              <a:schemeClr val="phClr">
+                <a:tint val="50000"/>
+                <a:shade val="100000"/>
+                <a:satMod val="350000"/>
+              </a:schemeClr>
+            </a:gs>
+          </a:gsLst>
+          <a:lin ang="16200000" scaled="0"/>
+        </a:gradFill>
+      </a:fillStyleLst>
+      <a:lnStyleLst>
+        <a:ln w="9525" cap="flat" cmpd="sng" algn="ctr">
+          <a:solidFill>
+            <a:schemeClr val="phClr">
+              <a:shade val="95000"/>
+              <a:satMod val="105000"/>
+            </a:schemeClr>
+          </a:solidFill>
+          <a:prstDash val="solid"/>
+        </a:ln>
+        <a:ln w="25400" cap="flat" cmpd="sng" algn="ctr">
+          <a:solidFill>
+            <a:schemeClr val="phClr"/>
+          </a:solidFill>
+          <a:prstDash val="solid"/>
+        </a:ln>
+        <a:ln w="38100" cap="flat" cmpd="sng" algn="ctr">
+          <a:solidFill>
+            <a:schemeClr val="phClr"/>
+          </a:solidFill>
+          <a:prstDash val="solid"/>
+        </a:ln>
+      </a:lnStyleLst>
+      <a:effectStyleLst>
+        <a:effectStyle>
+          <a:effectLst>
+            <a:outerShdw blurRad="40000" dist="20000" dir="5400000" rotWithShape="0">
+              <a:srgbClr val="000000">
+                <a:alpha val="38000"/>
+              </a:srgbClr>
+            </a:outerShdw>
+          </a:effectLst>
+        </a:effectStyle>
+        <a:effectStyle>
+          <a:effectLst>
+            <a:outerShdw blurRad="40000" dist="23000" dir="5400000" rotWithShape="0">
+              <a:srgbClr val="000000">
+                <a:alpha val="35000"/>
+              </a:srgbClr>
+            </a:outerShdw>
+          </a:effectLst>
+        </a:effectStyle>
+        <a:effectStyle>
+          <a:effectLst>
+            <a:outerShdw blurRad="40000" dist="23000" dir="5400000" rotWithShape="0">
+              <a:srgbClr val="000000">
+                <a:alpha val="35000"/>
+              </a:srgbClr>
+            </a:outerShdw>
+          </a:effectLst>
+          <a:scene3d>
+            <a:camera prst="orthographicFront">
+              <a:rot lat="0" lon="0" rev="0"/>
+            </a:camera>
+            <a:lightRig rig="threePt" dir="t">
+              <a:rot lat="0" lon="0" rev="1200000"/>
+            </a:lightRig>
+          </a:scene3d>
+          <a:sp3d>
+            <a:bevelT w="63500" h="25400"/>
+          </a:sp3d>
+        </a:effectStyle>
+      </a:effectStyleLst>
+      <a:bgFillStyleLst>
+        <a:solidFill>
+          <a:schemeClr val="phClr"/>
+        </a:solidFill>
+        <a:gradFill rotWithShape="1">
+          <a:gsLst>
+            <a:gs pos="0">
+              <a:schemeClr val="phClr">
+                <a:tint val="40000"/>
+                <a:satMod val="350000"/>
+              </a:schemeClr>
+            </a:gs>
+            <a:gs pos="40000">
+              <a:schemeClr val="phClr">
+                <a:tint val="45000"/>
+                <a:shade val="99000"/>
+                <a:satMod val="350000"/>
+              </a:schemeClr>
+            </a:gs>
+            <a:gs pos="100000">
+              <a:schemeClr val="phClr">
+                <a:shade val="20000"/>
+                <a:satMod val="255000"/>
+              </a:schemeClr>
+            </a:gs>
+          </a:gsLst>
+          <a:path path="circle">
+            <a:fillToRect l="50000" t="-80000" r="50000" b="180000"/>
+          </a:path>
+        </a:gradFill>
+        <a:gradFill rotWithShape="1">
+          <a:gsLst>
+            <a:gs pos="0">
+              <a:schemeClr val="phClr">
+                <a:tint val="80000"/>
+                <a:satMod val="300000"/>
+              </a:schemeClr>
+            </a:gs>
+            <a:gs pos="100000">
+              <a:schemeClr val="phClr">
+                <a:shade val="30000"/>
+                <a:satMod val="200000"/>
+              </a:schemeClr>
+            </a:gs>
+          </a:gsLst>
+          <a:path path="circle">
+            <a:fillToRect l="50000" t="50000" r="50000" b="50000"/>
+          </a:path>
+        </a:gradFill>
+      </a:bgFillStyleLst>
+    </a:fmtScheme>
+  </a:themeElements>
+</a:theme>
+</file>
+
+<file path=ppt/theme/theme2.xml><?xml version="1.0" encoding="utf-8"?>
 <a:theme xmlns:a="http://schemas.openxmlformats.org/drawingml/2006/main" xmlns:r="http://schemas.openxmlformats.org/officeDocument/2006/relationships">
   <a:themeElements>
     <a:clrScheme name="Default">
@@ -8103,283 +8012,4 @@
     </a:fmtScheme>
   </a:themeElements>
 </a:theme>
-</file>
-
-<file path=ppt/theme/theme2.xml><?xml version="1.0" encoding="utf-8"?>
-<a:theme xmlns:a="http://schemas.openxmlformats.org/drawingml/2006/main" xmlns:r="http://schemas.openxmlformats.org/officeDocument/2006/relationships" name="Simple Light">
-  <a:themeElements>
-    <a:clrScheme name="Simple Light">
-      <a:dk1>
-        <a:srgbClr val="000000"/>
-      </a:dk1>
-      <a:lt1>
-        <a:srgbClr val="FFFFFF"/>
-      </a:lt1>
-      <a:dk2>
-        <a:srgbClr val="595959"/>
-      </a:dk2>
-      <a:lt2>
-        <a:srgbClr val="EEEEEE"/>
-      </a:lt2>
-      <a:accent1>
-        <a:srgbClr val="4285F4"/>
-      </a:accent1>
-      <a:accent2>
-        <a:srgbClr val="212121"/>
-      </a:accent2>
-      <a:accent3>
-        <a:srgbClr val="78909C"/>
-      </a:accent3>
-      <a:accent4>
-        <a:srgbClr val="FFAB40"/>
-      </a:accent4>
-      <a:accent5>
-        <a:srgbClr val="0097A7"/>
-      </a:accent5>
-      <a:accent6>
-        <a:srgbClr val="EEFF41"/>
-      </a:accent6>
-      <a:hlink>
-        <a:srgbClr val="0097A7"/>
-      </a:hlink>
-      <a:folHlink>
-        <a:srgbClr val="0097A7"/>
-      </a:folHlink>
-    </a:clrScheme>
-    <a:fontScheme name="Office">
-      <a:majorFont>
-        <a:latin typeface="Arial"/>
-        <a:ea typeface=""/>
-        <a:cs typeface=""/>
-        <a:font script="Jpan" typeface="ＭＳ Ｐゴシック"/>
-        <a:font script="Hang" typeface="맑은 고딕"/>
-        <a:font script="Hans" typeface="宋体"/>
-        <a:font script="Hant" typeface="新細明體"/>
-        <a:font script="Arab" typeface="Times New Roman"/>
-        <a:font script="Hebr" typeface="Times New Roman"/>
-        <a:font script="Thai" typeface="Angsana New"/>
-        <a:font script="Ethi" typeface="Nyala"/>
-        <a:font script="Beng" typeface="Vrinda"/>
-        <a:font script="Gujr" typeface="Shruti"/>
-        <a:font script="Khmr" typeface="MoolBoran"/>
-        <a:font script="Knda" typeface="Tunga"/>
-        <a:font script="Guru" typeface="Raavi"/>
-        <a:font script="Cans" typeface="Euphemia"/>
-        <a:font script="Cher" typeface="Plantagenet Cherokee"/>
-        <a:font script="Yiii" typeface="Microsoft Yi Baiti"/>
-        <a:font script="Tibt" typeface="Microsoft Himalaya"/>
-        <a:font script="Thaa" typeface="MV Boli"/>
-        <a:font script="Deva" typeface="Mangal"/>
-        <a:font script="Telu" typeface="Gautami"/>
-        <a:font script="Taml" typeface="Latha"/>
-        <a:font script="Syrc" typeface="Estrangelo Edessa"/>
-        <a:font script="Orya" typeface="Kalinga"/>
-        <a:font script="Mlym" typeface="Kartika"/>
-        <a:font script="Laoo" typeface="DokChampa"/>
-        <a:font script="Sinh" typeface="Iskoola Pota"/>
-        <a:font script="Mong" typeface="Mongolian Baiti"/>
-        <a:font script="Viet" typeface="Times New Roman"/>
-        <a:font script="Uigh" typeface="Microsoft Uighur"/>
-        <a:font script="Geor" typeface="Sylfaen"/>
-      </a:majorFont>
-      <a:minorFont>
-        <a:latin typeface="Arial"/>
-        <a:ea typeface=""/>
-        <a:cs typeface=""/>
-        <a:font script="Jpan" typeface="ＭＳ Ｐゴシック"/>
-        <a:font script="Hang" typeface="맑은 고딕"/>
-        <a:font script="Hans" typeface="宋体"/>
-        <a:font script="Hant" typeface="新細明體"/>
-        <a:font script="Arab" typeface="Arial"/>
-        <a:font script="Hebr" typeface="Arial"/>
-        <a:font script="Thai" typeface="Cordia New"/>
-        <a:font script="Ethi" typeface="Nyala"/>
-        <a:font script="Beng" typeface="Vrinda"/>
-        <a:font script="Gujr" typeface="Shruti"/>
-        <a:font script="Khmr" typeface="DaunPenh"/>
-        <a:font script="Knda" typeface="Tunga"/>
-        <a:font script="Guru" typeface="Raavi"/>
-        <a:font script="Cans" typeface="Euphemia"/>
-        <a:font script="Cher" typeface="Plantagenet Cherokee"/>
-        <a:font script="Yiii" typeface="Microsoft Yi Baiti"/>
-        <a:font script="Tibt" typeface="Microsoft Himalaya"/>
-        <a:font script="Thaa" typeface="MV Boli"/>
-        <a:font script="Deva" typeface="Mangal"/>
-        <a:font script="Telu" typeface="Gautami"/>
-        <a:font script="Taml" typeface="Latha"/>
-        <a:font script="Syrc" typeface="Estrangelo Edessa"/>
-        <a:font script="Orya" typeface="Kalinga"/>
-        <a:font script="Mlym" typeface="Kartika"/>
-        <a:font script="Laoo" typeface="DokChampa"/>
-        <a:font script="Sinh" typeface="Iskoola Pota"/>
-        <a:font script="Mong" typeface="Mongolian Baiti"/>
-        <a:font script="Viet" typeface="Arial"/>
-        <a:font script="Uigh" typeface="Microsoft Uighur"/>
-        <a:font script="Geor" typeface="Sylfaen"/>
-      </a:minorFont>
-    </a:fontScheme>
-    <a:fmtScheme name="Office">
-      <a:fillStyleLst>
-        <a:solidFill>
-          <a:schemeClr val="phClr"/>
-        </a:solidFill>
-        <a:gradFill rotWithShape="1">
-          <a:gsLst>
-            <a:gs pos="0">
-              <a:schemeClr val="phClr">
-                <a:tint val="50000"/>
-                <a:satMod val="300000"/>
-              </a:schemeClr>
-            </a:gs>
-            <a:gs pos="35000">
-              <a:schemeClr val="phClr">
-                <a:tint val="37000"/>
-                <a:satMod val="300000"/>
-              </a:schemeClr>
-            </a:gs>
-            <a:gs pos="100000">
-              <a:schemeClr val="phClr">
-                <a:tint val="15000"/>
-                <a:satMod val="350000"/>
-              </a:schemeClr>
-            </a:gs>
-          </a:gsLst>
-          <a:lin ang="16200000" scaled="1"/>
-        </a:gradFill>
-        <a:gradFill rotWithShape="1">
-          <a:gsLst>
-            <a:gs pos="0">
-              <a:schemeClr val="phClr">
-                <a:tint val="100000"/>
-                <a:shade val="100000"/>
-                <a:satMod val="130000"/>
-              </a:schemeClr>
-            </a:gs>
-            <a:gs pos="100000">
-              <a:schemeClr val="phClr">
-                <a:tint val="50000"/>
-                <a:shade val="100000"/>
-                <a:satMod val="350000"/>
-              </a:schemeClr>
-            </a:gs>
-          </a:gsLst>
-          <a:lin ang="16200000" scaled="0"/>
-        </a:gradFill>
-      </a:fillStyleLst>
-      <a:lnStyleLst>
-        <a:ln w="9525" cap="flat" cmpd="sng" algn="ctr">
-          <a:solidFill>
-            <a:schemeClr val="phClr">
-              <a:shade val="95000"/>
-              <a:satMod val="105000"/>
-            </a:schemeClr>
-          </a:solidFill>
-          <a:prstDash val="solid"/>
-        </a:ln>
-        <a:ln w="25400" cap="flat" cmpd="sng" algn="ctr">
-          <a:solidFill>
-            <a:schemeClr val="phClr"/>
-          </a:solidFill>
-          <a:prstDash val="solid"/>
-        </a:ln>
-        <a:ln w="38100" cap="flat" cmpd="sng" algn="ctr">
-          <a:solidFill>
-            <a:schemeClr val="phClr"/>
-          </a:solidFill>
-          <a:prstDash val="solid"/>
-        </a:ln>
-      </a:lnStyleLst>
-      <a:effectStyleLst>
-        <a:effectStyle>
-          <a:effectLst>
-            <a:outerShdw blurRad="40000" dist="20000" dir="5400000" rotWithShape="0">
-              <a:srgbClr val="000000">
-                <a:alpha val="38000"/>
-              </a:srgbClr>
-            </a:outerShdw>
-          </a:effectLst>
-        </a:effectStyle>
-        <a:effectStyle>
-          <a:effectLst>
-            <a:outerShdw blurRad="40000" dist="23000" dir="5400000" rotWithShape="0">
-              <a:srgbClr val="000000">
-                <a:alpha val="35000"/>
-              </a:srgbClr>
-            </a:outerShdw>
-          </a:effectLst>
-        </a:effectStyle>
-        <a:effectStyle>
-          <a:effectLst>
-            <a:outerShdw blurRad="40000" dist="23000" dir="5400000" rotWithShape="0">
-              <a:srgbClr val="000000">
-                <a:alpha val="35000"/>
-              </a:srgbClr>
-            </a:outerShdw>
-          </a:effectLst>
-          <a:scene3d>
-            <a:camera prst="orthographicFront">
-              <a:rot lat="0" lon="0" rev="0"/>
-            </a:camera>
-            <a:lightRig rig="threePt" dir="t">
-              <a:rot lat="0" lon="0" rev="1200000"/>
-            </a:lightRig>
-          </a:scene3d>
-          <a:sp3d>
-            <a:bevelT w="63500" h="25400"/>
-          </a:sp3d>
-        </a:effectStyle>
-      </a:effectStyleLst>
-      <a:bgFillStyleLst>
-        <a:solidFill>
-          <a:schemeClr val="phClr"/>
-        </a:solidFill>
-        <a:gradFill rotWithShape="1">
-          <a:gsLst>
-            <a:gs pos="0">
-              <a:schemeClr val="phClr">
-                <a:tint val="40000"/>
-                <a:satMod val="350000"/>
-              </a:schemeClr>
-            </a:gs>
-            <a:gs pos="40000">
-              <a:schemeClr val="phClr">
-                <a:tint val="45000"/>
-                <a:shade val="99000"/>
-                <a:satMod val="350000"/>
-              </a:schemeClr>
-            </a:gs>
-            <a:gs pos="100000">
-              <a:schemeClr val="phClr">
-                <a:shade val="20000"/>
-                <a:satMod val="255000"/>
-              </a:schemeClr>
-            </a:gs>
-          </a:gsLst>
-          <a:path path="circle">
-            <a:fillToRect l="50000" t="-80000" r="50000" b="180000"/>
-          </a:path>
-        </a:gradFill>
-        <a:gradFill rotWithShape="1">
-          <a:gsLst>
-            <a:gs pos="0">
-              <a:schemeClr val="phClr">
-                <a:tint val="80000"/>
-                <a:satMod val="300000"/>
-              </a:schemeClr>
-            </a:gs>
-            <a:gs pos="100000">
-              <a:schemeClr val="phClr">
-                <a:shade val="30000"/>
-                <a:satMod val="200000"/>
-              </a:schemeClr>
-            </a:gs>
-          </a:gsLst>
-          <a:path path="circle">
-            <a:fillToRect l="50000" t="50000" r="50000" b="50000"/>
-          </a:path>
-        </a:gradFill>
-      </a:bgFillStyleLst>
-    </a:fmtScheme>
-  </a:themeElements>
-</a:theme>
 </file>